--- a/iOS for EQ.pptx
+++ b/iOS for EQ.pptx
@@ -4340,11 +4340,7 @@
           <a:p>
             <a:r>
               <a:rPr lang="en-US" dirty="0" smtClean="0"/>
-              <a:t>Good stuff to </a:t>
-            </a:r>
-            <a:r>
-              <a:rPr lang="en-US" dirty="0" smtClean="0"/>
-              <a:t>learn?</a:t>
+              <a:t>Good stuff to learn?</a:t>
             </a:r>
             <a:endParaRPr lang="en-US" dirty="0"/>
           </a:p>
@@ -4404,7 +4400,6 @@
               <a:rPr lang="en-US" dirty="0" smtClean="0"/>
               <a:t>Playgrounds</a:t>
             </a:r>
-            <a:endParaRPr lang="en-US" dirty="0" smtClean="0"/>
           </a:p>
           <a:p>
             <a:r>
